--- a/Déploiement et Reporting.pptx
+++ b/Déploiement et Reporting.pptx
@@ -14,6 +14,7 @@
     <p:sldId id="263" r:id="rId8"/>
     <p:sldId id="264" r:id="rId9"/>
     <p:sldId id="266" r:id="rId10"/>
+    <p:sldId id="267" r:id="rId11"/>
   </p:sldIdLst>
   <p:sldSz cx="12192000" cy="6858000"/>
   <p:notesSz cx="6858000" cy="9144000"/>
@@ -112,6 +113,11 @@
       </a:defRPr>
     </a:lvl9pPr>
   </p:defaultTextStyle>
+  <p:extLst>
+    <p:ext uri="{EFAFB233-063F-42B5-8137-9DF3F51BA10A}">
+      <p15:sldGuideLst xmlns:p15="http://schemas.microsoft.com/office/powerpoint/2012/main"/>
+    </p:ext>
+  </p:extLst>
 </p:presentation>
 </file>
 
@@ -4547,6 +4553,1267 @@
 </p:sld>
 </file>
 
+<file path=ppt/slides/slide10.xml><?xml version="1.0" encoding="utf-8"?>
+<p:sld xmlns:a="http://schemas.openxmlformats.org/drawingml/2006/main" xmlns:r="http://schemas.openxmlformats.org/officeDocument/2006/relationships" xmlns:p="http://schemas.openxmlformats.org/presentationml/2006/main">
+  <p:cSld>
+    <p:bg>
+      <p:bgPr>
+        <a:solidFill>
+          <a:schemeClr val="bg1"/>
+        </a:solidFill>
+        <a:effectLst/>
+      </p:bgPr>
+    </p:bg>
+    <p:spTree>
+      <p:nvGrpSpPr>
+        <p:cNvPr id="1" name=""/>
+        <p:cNvGrpSpPr/>
+        <p:nvPr/>
+      </p:nvGrpSpPr>
+      <p:grpSpPr>
+        <a:xfrm>
+          <a:off x="0" y="0"/>
+          <a:ext cx="0" cy="0"/>
+          <a:chOff x="0" y="0"/>
+          <a:chExt cx="0" cy="0"/>
+        </a:xfrm>
+      </p:grpSpPr>
+      <p:sp>
+        <p:nvSpPr>
+          <p:cNvPr id="8" name="Rectangle 7">
+            <a:extLst>
+              <a:ext uri="{FF2B5EF4-FFF2-40B4-BE49-F238E27FC236}">
+                <a16:creationId xmlns:a16="http://schemas.microsoft.com/office/drawing/2014/main" id="{88294908-8B00-4F58-BBBA-20F71A40AA9E}"/>
+              </a:ext>
+              <a:ext uri="{C183D7F6-B498-43B3-948B-1728B52AA6E4}">
+                <adec:decorative xmlns:adec="http://schemas.microsoft.com/office/drawing/2017/decorative" val="1"/>
+              </a:ext>
+            </a:extLst>
+          </p:cNvPr>
+          <p:cNvSpPr>
+            <a:spLocks noGrp="1" noRot="1" noChangeAspect="1" noMove="1" noResize="1" noEditPoints="1" noAdjustHandles="1" noChangeArrowheads="1" noChangeShapeType="1" noTextEdit="1"/>
+          </p:cNvSpPr>
+          <p:nvPr>
+            <p:extLst>
+              <p:ext uri="{386F3935-93C4-4BCD-93E2-E3B085C9AB24}">
+                <p16:designElem xmlns:p16="http://schemas.microsoft.com/office/powerpoint/2015/main" val="1"/>
+              </p:ext>
+            </p:extLst>
+          </p:nvPr>
+        </p:nvSpPr>
+        <p:spPr>
+          <a:xfrm>
+            <a:off x="0" y="0"/>
+            <a:ext cx="12192000" cy="6858000"/>
+          </a:xfrm>
+          <a:prstGeom prst="rect">
+            <a:avLst/>
+          </a:prstGeom>
+          <a:solidFill>
+            <a:schemeClr val="bg2"/>
+          </a:solidFill>
+          <a:ln>
+            <a:noFill/>
+          </a:ln>
+        </p:spPr>
+        <p:style>
+          <a:lnRef idx="2">
+            <a:schemeClr val="accent1">
+              <a:shade val="50000"/>
+            </a:schemeClr>
+          </a:lnRef>
+          <a:fillRef idx="1">
+            <a:schemeClr val="accent1"/>
+          </a:fillRef>
+          <a:effectRef idx="0">
+            <a:schemeClr val="accent1"/>
+          </a:effectRef>
+          <a:fontRef idx="minor">
+            <a:schemeClr val="lt1"/>
+          </a:fontRef>
+        </p:style>
+        <p:txBody>
+          <a:bodyPr rtlCol="0" anchor="ctr"/>
+          <a:lstStyle/>
+          <a:p>
+            <a:pPr algn="ctr"/>
+            <a:endParaRPr lang="en-US" dirty="0"/>
+          </a:p>
+        </p:txBody>
+      </p:sp>
+      <p:sp>
+        <p:nvSpPr>
+          <p:cNvPr id="10" name="Freeform: Shape 9">
+            <a:extLst>
+              <a:ext uri="{FF2B5EF4-FFF2-40B4-BE49-F238E27FC236}">
+                <a16:creationId xmlns:a16="http://schemas.microsoft.com/office/drawing/2014/main" id="{4364C879-1404-4203-8E9D-CC5DE0A621A2}"/>
+              </a:ext>
+              <a:ext uri="{C183D7F6-B498-43B3-948B-1728B52AA6E4}">
+                <adec:decorative xmlns:adec="http://schemas.microsoft.com/office/drawing/2017/decorative" val="1"/>
+              </a:ext>
+            </a:extLst>
+          </p:cNvPr>
+          <p:cNvSpPr>
+            <a:spLocks noGrp="1" noRot="1" noChangeAspect="1" noMove="1" noResize="1" noEditPoints="1" noAdjustHandles="1" noChangeArrowheads="1" noChangeShapeType="1" noTextEdit="1"/>
+          </p:cNvSpPr>
+          <p:nvPr>
+            <p:extLst>
+              <p:ext uri="{386F3935-93C4-4BCD-93E2-E3B085C9AB24}">
+                <p16:designElem xmlns:p16="http://schemas.microsoft.com/office/powerpoint/2015/main" val="1"/>
+              </p:ext>
+            </p:extLst>
+          </p:nvPr>
+        </p:nvSpPr>
+        <p:spPr>
+          <a:xfrm rot="2700000">
+            <a:off x="82782" y="-1386168"/>
+            <a:ext cx="2424873" cy="3611191"/>
+          </a:xfrm>
+          <a:custGeom>
+            <a:avLst/>
+            <a:gdLst>
+              <a:gd name="connsiteX0" fmla="*/ 0 w 2424873"/>
+              <a:gd name="connsiteY0" fmla="*/ 2424874 h 3611191"/>
+              <a:gd name="connsiteX1" fmla="*/ 2424873 w 2424873"/>
+              <a:gd name="connsiteY1" fmla="*/ 0 h 3611191"/>
+              <a:gd name="connsiteX2" fmla="*/ 2424873 w 2424873"/>
+              <a:gd name="connsiteY2" fmla="*/ 3611191 h 3611191"/>
+              <a:gd name="connsiteX3" fmla="*/ 1186317 w 2424873"/>
+              <a:gd name="connsiteY3" fmla="*/ 3611191 h 3611191"/>
+            </a:gdLst>
+            <a:ahLst/>
+            <a:cxnLst>
+              <a:cxn ang="0">
+                <a:pos x="connsiteX0" y="connsiteY0"/>
+              </a:cxn>
+              <a:cxn ang="0">
+                <a:pos x="connsiteX1" y="connsiteY1"/>
+              </a:cxn>
+              <a:cxn ang="0">
+                <a:pos x="connsiteX2" y="connsiteY2"/>
+              </a:cxn>
+              <a:cxn ang="0">
+                <a:pos x="connsiteX3" y="connsiteY3"/>
+              </a:cxn>
+            </a:cxnLst>
+            <a:rect l="l" t="t" r="r" b="b"/>
+            <a:pathLst>
+              <a:path w="2424873" h="3611191">
+                <a:moveTo>
+                  <a:pt x="0" y="2424874"/>
+                </a:moveTo>
+                <a:lnTo>
+                  <a:pt x="2424873" y="0"/>
+                </a:lnTo>
+                <a:lnTo>
+                  <a:pt x="2424873" y="3611191"/>
+                </a:lnTo>
+                <a:lnTo>
+                  <a:pt x="1186317" y="3611191"/>
+                </a:lnTo>
+                <a:close/>
+              </a:path>
+            </a:pathLst>
+          </a:custGeom>
+          <a:solidFill>
+            <a:schemeClr val="accent4">
+              <a:alpha val="40000"/>
+            </a:schemeClr>
+          </a:solidFill>
+          <a:ln>
+            <a:noFill/>
+          </a:ln>
+        </p:spPr>
+        <p:style>
+          <a:lnRef idx="2">
+            <a:schemeClr val="accent1">
+              <a:shade val="50000"/>
+            </a:schemeClr>
+          </a:lnRef>
+          <a:fillRef idx="1">
+            <a:schemeClr val="accent1"/>
+          </a:fillRef>
+          <a:effectRef idx="0">
+            <a:schemeClr val="accent1"/>
+          </a:effectRef>
+          <a:fontRef idx="minor">
+            <a:schemeClr val="lt1"/>
+          </a:fontRef>
+        </p:style>
+        <p:txBody>
+          <a:bodyPr wrap="square" rtlCol="0" anchor="ctr">
+            <a:noAutofit/>
+          </a:bodyPr>
+          <a:lstStyle/>
+          <a:p>
+            <a:pPr algn="ctr"/>
+            <a:endParaRPr lang="en-US"/>
+          </a:p>
+        </p:txBody>
+      </p:sp>
+      <p:sp>
+        <p:nvSpPr>
+          <p:cNvPr id="12" name="Freeform: Shape 11">
+            <a:extLst>
+              <a:ext uri="{FF2B5EF4-FFF2-40B4-BE49-F238E27FC236}">
+                <a16:creationId xmlns:a16="http://schemas.microsoft.com/office/drawing/2014/main" id="{84617302-4B0D-4351-A6BB-6F0930D943AC}"/>
+              </a:ext>
+              <a:ext uri="{C183D7F6-B498-43B3-948B-1728B52AA6E4}">
+                <adec:decorative xmlns:adec="http://schemas.microsoft.com/office/drawing/2017/decorative" val="1"/>
+              </a:ext>
+            </a:extLst>
+          </p:cNvPr>
+          <p:cNvSpPr>
+            <a:spLocks noGrp="1" noRot="1" noChangeAspect="1" noMove="1" noResize="1" noEditPoints="1" noAdjustHandles="1" noChangeArrowheads="1" noChangeShapeType="1" noTextEdit="1"/>
+          </p:cNvSpPr>
+          <p:nvPr>
+            <p:extLst>
+              <p:ext uri="{386F3935-93C4-4BCD-93E2-E3B085C9AB24}">
+                <p16:designElem xmlns:p16="http://schemas.microsoft.com/office/powerpoint/2015/main" val="1"/>
+              </p:ext>
+            </p:extLst>
+          </p:nvPr>
+        </p:nvSpPr>
+        <p:spPr>
+          <a:xfrm rot="2700000">
+            <a:off x="1571000" y="-338582"/>
+            <a:ext cx="1635955" cy="1635955"/>
+          </a:xfrm>
+          <a:custGeom>
+            <a:avLst/>
+            <a:gdLst>
+              <a:gd name="connsiteX0" fmla="*/ 0 w 1635955"/>
+              <a:gd name="connsiteY0" fmla="*/ 957987 h 1635955"/>
+              <a:gd name="connsiteX1" fmla="*/ 957987 w 1635955"/>
+              <a:gd name="connsiteY1" fmla="*/ 0 h 1635955"/>
+              <a:gd name="connsiteX2" fmla="*/ 1635955 w 1635955"/>
+              <a:gd name="connsiteY2" fmla="*/ 0 h 1635955"/>
+              <a:gd name="connsiteX3" fmla="*/ 1635955 w 1635955"/>
+              <a:gd name="connsiteY3" fmla="*/ 1635955 h 1635955"/>
+              <a:gd name="connsiteX4" fmla="*/ 0 w 1635955"/>
+              <a:gd name="connsiteY4" fmla="*/ 1635955 h 1635955"/>
+            </a:gdLst>
+            <a:ahLst/>
+            <a:cxnLst>
+              <a:cxn ang="0">
+                <a:pos x="connsiteX0" y="connsiteY0"/>
+              </a:cxn>
+              <a:cxn ang="0">
+                <a:pos x="connsiteX1" y="connsiteY1"/>
+              </a:cxn>
+              <a:cxn ang="0">
+                <a:pos x="connsiteX2" y="connsiteY2"/>
+              </a:cxn>
+              <a:cxn ang="0">
+                <a:pos x="connsiteX3" y="connsiteY3"/>
+              </a:cxn>
+              <a:cxn ang="0">
+                <a:pos x="connsiteX4" y="connsiteY4"/>
+              </a:cxn>
+            </a:cxnLst>
+            <a:rect l="l" t="t" r="r" b="b"/>
+            <a:pathLst>
+              <a:path w="1635955" h="1635955">
+                <a:moveTo>
+                  <a:pt x="0" y="957987"/>
+                </a:moveTo>
+                <a:lnTo>
+                  <a:pt x="957987" y="0"/>
+                </a:lnTo>
+                <a:lnTo>
+                  <a:pt x="1635955" y="0"/>
+                </a:lnTo>
+                <a:lnTo>
+                  <a:pt x="1635955" y="1635955"/>
+                </a:lnTo>
+                <a:lnTo>
+                  <a:pt x="0" y="1635955"/>
+                </a:lnTo>
+                <a:close/>
+              </a:path>
+            </a:pathLst>
+          </a:custGeom>
+          <a:solidFill>
+            <a:schemeClr val="accent4">
+              <a:alpha val="40000"/>
+            </a:schemeClr>
+          </a:solidFill>
+          <a:ln>
+            <a:noFill/>
+          </a:ln>
+        </p:spPr>
+        <p:style>
+          <a:lnRef idx="2">
+            <a:schemeClr val="accent1">
+              <a:shade val="50000"/>
+            </a:schemeClr>
+          </a:lnRef>
+          <a:fillRef idx="1">
+            <a:schemeClr val="accent1"/>
+          </a:fillRef>
+          <a:effectRef idx="0">
+            <a:schemeClr val="accent1"/>
+          </a:effectRef>
+          <a:fontRef idx="minor">
+            <a:schemeClr val="lt1"/>
+          </a:fontRef>
+        </p:style>
+        <p:txBody>
+          <a:bodyPr wrap="square" rtlCol="0" anchor="ctr">
+            <a:noAutofit/>
+          </a:bodyPr>
+          <a:lstStyle/>
+          <a:p>
+            <a:pPr algn="ctr"/>
+            <a:endParaRPr lang="en-US"/>
+          </a:p>
+        </p:txBody>
+      </p:sp>
+      <p:sp>
+        <p:nvSpPr>
+          <p:cNvPr id="14" name="Freeform: Shape 13">
+            <a:extLst>
+              <a:ext uri="{FF2B5EF4-FFF2-40B4-BE49-F238E27FC236}">
+                <a16:creationId xmlns:a16="http://schemas.microsoft.com/office/drawing/2014/main" id="{DA2C7802-C2E0-4218-8F89-8DD7CCD2CD1C}"/>
+              </a:ext>
+              <a:ext uri="{C183D7F6-B498-43B3-948B-1728B52AA6E4}">
+                <adec:decorative xmlns:adec="http://schemas.microsoft.com/office/drawing/2017/decorative" val="1"/>
+              </a:ext>
+            </a:extLst>
+          </p:cNvPr>
+          <p:cNvSpPr>
+            <a:spLocks noGrp="1" noRot="1" noChangeAspect="1" noMove="1" noResize="1" noEditPoints="1" noAdjustHandles="1" noChangeArrowheads="1" noChangeShapeType="1" noTextEdit="1"/>
+          </p:cNvSpPr>
+          <p:nvPr>
+            <p:extLst>
+              <p:ext uri="{386F3935-93C4-4BCD-93E2-E3B085C9AB24}">
+                <p16:designElem xmlns:p16="http://schemas.microsoft.com/office/powerpoint/2015/main" val="1"/>
+              </p:ext>
+            </p:extLst>
+          </p:nvPr>
+        </p:nvSpPr>
+        <p:spPr>
+          <a:xfrm rot="2700000">
+            <a:off x="9627985" y="-6588"/>
+            <a:ext cx="4059393" cy="2548110"/>
+          </a:xfrm>
+          <a:custGeom>
+            <a:avLst/>
+            <a:gdLst>
+              <a:gd name="connsiteX0" fmla="*/ 0 w 4059393"/>
+              <a:gd name="connsiteY0" fmla="*/ 1511282 h 2548110"/>
+              <a:gd name="connsiteX1" fmla="*/ 1511282 w 4059393"/>
+              <a:gd name="connsiteY1" fmla="*/ 0 h 2548110"/>
+              <a:gd name="connsiteX2" fmla="*/ 4059393 w 4059393"/>
+              <a:gd name="connsiteY2" fmla="*/ 2548110 h 2548110"/>
+              <a:gd name="connsiteX3" fmla="*/ 0 w 4059393"/>
+              <a:gd name="connsiteY3" fmla="*/ 2548110 h 2548110"/>
+            </a:gdLst>
+            <a:ahLst/>
+            <a:cxnLst>
+              <a:cxn ang="0">
+                <a:pos x="connsiteX0" y="connsiteY0"/>
+              </a:cxn>
+              <a:cxn ang="0">
+                <a:pos x="connsiteX1" y="connsiteY1"/>
+              </a:cxn>
+              <a:cxn ang="0">
+                <a:pos x="connsiteX2" y="connsiteY2"/>
+              </a:cxn>
+              <a:cxn ang="0">
+                <a:pos x="connsiteX3" y="connsiteY3"/>
+              </a:cxn>
+            </a:cxnLst>
+            <a:rect l="l" t="t" r="r" b="b"/>
+            <a:pathLst>
+              <a:path w="4059393" h="2548110">
+                <a:moveTo>
+                  <a:pt x="0" y="1511282"/>
+                </a:moveTo>
+                <a:lnTo>
+                  <a:pt x="1511282" y="0"/>
+                </a:lnTo>
+                <a:lnTo>
+                  <a:pt x="4059393" y="2548110"/>
+                </a:lnTo>
+                <a:lnTo>
+                  <a:pt x="0" y="2548110"/>
+                </a:lnTo>
+                <a:close/>
+              </a:path>
+            </a:pathLst>
+          </a:custGeom>
+          <a:solidFill>
+            <a:schemeClr val="accent1">
+              <a:alpha val="30000"/>
+            </a:schemeClr>
+          </a:solidFill>
+          <a:ln>
+            <a:noFill/>
+          </a:ln>
+        </p:spPr>
+        <p:style>
+          <a:lnRef idx="2">
+            <a:schemeClr val="accent1">
+              <a:shade val="50000"/>
+            </a:schemeClr>
+          </a:lnRef>
+          <a:fillRef idx="1">
+            <a:schemeClr val="accent1"/>
+          </a:fillRef>
+          <a:effectRef idx="0">
+            <a:schemeClr val="accent1"/>
+          </a:effectRef>
+          <a:fontRef idx="minor">
+            <a:schemeClr val="lt1"/>
+          </a:fontRef>
+        </p:style>
+        <p:txBody>
+          <a:bodyPr wrap="square" rtlCol="0" anchor="ctr">
+            <a:noAutofit/>
+          </a:bodyPr>
+          <a:lstStyle/>
+          <a:p>
+            <a:pPr algn="ctr"/>
+            <a:endParaRPr lang="en-US"/>
+          </a:p>
+        </p:txBody>
+      </p:sp>
+      <p:sp>
+        <p:nvSpPr>
+          <p:cNvPr id="16" name="Rectangle 15">
+            <a:extLst>
+              <a:ext uri="{FF2B5EF4-FFF2-40B4-BE49-F238E27FC236}">
+                <a16:creationId xmlns:a16="http://schemas.microsoft.com/office/drawing/2014/main" id="{A6D7111A-21E5-4EE9-8A78-10E5530F0116}"/>
+              </a:ext>
+              <a:ext uri="{C183D7F6-B498-43B3-948B-1728B52AA6E4}">
+                <adec:decorative xmlns:adec="http://schemas.microsoft.com/office/drawing/2017/decorative" val="1"/>
+              </a:ext>
+            </a:extLst>
+          </p:cNvPr>
+          <p:cNvSpPr>
+            <a:spLocks noGrp="1" noRot="1" noChangeAspect="1" noMove="1" noResize="1" noEditPoints="1" noAdjustHandles="1" noChangeArrowheads="1" noChangeShapeType="1" noTextEdit="1"/>
+          </p:cNvSpPr>
+          <p:nvPr>
+            <p:extLst>
+              <p:ext uri="{386F3935-93C4-4BCD-93E2-E3B085C9AB24}">
+                <p16:designElem xmlns:p16="http://schemas.microsoft.com/office/powerpoint/2015/main" val="1"/>
+              </p:ext>
+            </p:extLst>
+          </p:nvPr>
+        </p:nvSpPr>
+        <p:spPr>
+          <a:xfrm rot="2700000">
+            <a:off x="10262924" y="1465780"/>
+            <a:ext cx="1185708" cy="1185708"/>
+          </a:xfrm>
+          <a:prstGeom prst="rect">
+            <a:avLst/>
+          </a:prstGeom>
+          <a:solidFill>
+            <a:schemeClr val="accent1">
+              <a:alpha val="30000"/>
+            </a:schemeClr>
+          </a:solidFill>
+          <a:ln>
+            <a:noFill/>
+          </a:ln>
+        </p:spPr>
+        <p:style>
+          <a:lnRef idx="2">
+            <a:schemeClr val="accent1">
+              <a:shade val="50000"/>
+            </a:schemeClr>
+          </a:lnRef>
+          <a:fillRef idx="1">
+            <a:schemeClr val="accent1"/>
+          </a:fillRef>
+          <a:effectRef idx="0">
+            <a:schemeClr val="accent1"/>
+          </a:effectRef>
+          <a:fontRef idx="minor">
+            <a:schemeClr val="lt1"/>
+          </a:fontRef>
+        </p:style>
+        <p:txBody>
+          <a:bodyPr wrap="square" rtlCol="0" anchor="ctr">
+            <a:noAutofit/>
+          </a:bodyPr>
+          <a:lstStyle/>
+          <a:p>
+            <a:pPr algn="ctr"/>
+            <a:endParaRPr lang="en-US"/>
+          </a:p>
+        </p:txBody>
+      </p:sp>
+      <p:sp>
+        <p:nvSpPr>
+          <p:cNvPr id="18" name="Freeform: Shape 17">
+            <a:extLst>
+              <a:ext uri="{FF2B5EF4-FFF2-40B4-BE49-F238E27FC236}">
+                <a16:creationId xmlns:a16="http://schemas.microsoft.com/office/drawing/2014/main" id="{A3969E80-A77B-49FC-9122-D89AFD5EE118}"/>
+              </a:ext>
+              <a:ext uri="{C183D7F6-B498-43B3-948B-1728B52AA6E4}">
+                <adec:decorative xmlns:adec="http://schemas.microsoft.com/office/drawing/2017/decorative" val="1"/>
+              </a:ext>
+            </a:extLst>
+          </p:cNvPr>
+          <p:cNvSpPr>
+            <a:spLocks noGrp="1" noRot="1" noChangeAspect="1" noMove="1" noResize="1" noEditPoints="1" noAdjustHandles="1" noChangeArrowheads="1" noChangeShapeType="1" noTextEdit="1"/>
+          </p:cNvSpPr>
+          <p:nvPr>
+            <p:extLst>
+              <p:ext uri="{386F3935-93C4-4BCD-93E2-E3B085C9AB24}">
+                <p16:designElem xmlns:p16="http://schemas.microsoft.com/office/powerpoint/2015/main" val="1"/>
+              </p:ext>
+            </p:extLst>
+          </p:nvPr>
+        </p:nvSpPr>
+        <p:spPr>
+          <a:xfrm rot="2700000">
+            <a:off x="-29557" y="5198743"/>
+            <a:ext cx="2444907" cy="2366116"/>
+          </a:xfrm>
+          <a:custGeom>
+            <a:avLst/>
+            <a:gdLst>
+              <a:gd name="connsiteX0" fmla="*/ 0 w 2203753"/>
+              <a:gd name="connsiteY0" fmla="*/ 0 h 2132734"/>
+              <a:gd name="connsiteX1" fmla="*/ 2203753 w 2203753"/>
+              <a:gd name="connsiteY1" fmla="*/ 0 h 2132734"/>
+              <a:gd name="connsiteX2" fmla="*/ 2203753 w 2203753"/>
+              <a:gd name="connsiteY2" fmla="*/ 576461 h 2132734"/>
+              <a:gd name="connsiteX3" fmla="*/ 647480 w 2203753"/>
+              <a:gd name="connsiteY3" fmla="*/ 2132734 h 2132734"/>
+              <a:gd name="connsiteX4" fmla="*/ 0 w 2203753"/>
+              <a:gd name="connsiteY4" fmla="*/ 1485255 h 2132734"/>
+            </a:gdLst>
+            <a:ahLst/>
+            <a:cxnLst>
+              <a:cxn ang="0">
+                <a:pos x="connsiteX0" y="connsiteY0"/>
+              </a:cxn>
+              <a:cxn ang="0">
+                <a:pos x="connsiteX1" y="connsiteY1"/>
+              </a:cxn>
+              <a:cxn ang="0">
+                <a:pos x="connsiteX2" y="connsiteY2"/>
+              </a:cxn>
+              <a:cxn ang="0">
+                <a:pos x="connsiteX3" y="connsiteY3"/>
+              </a:cxn>
+              <a:cxn ang="0">
+                <a:pos x="connsiteX4" y="connsiteY4"/>
+              </a:cxn>
+            </a:cxnLst>
+            <a:rect l="l" t="t" r="r" b="b"/>
+            <a:pathLst>
+              <a:path w="2203753" h="2132734">
+                <a:moveTo>
+                  <a:pt x="0" y="0"/>
+                </a:moveTo>
+                <a:lnTo>
+                  <a:pt x="2203753" y="0"/>
+                </a:lnTo>
+                <a:lnTo>
+                  <a:pt x="2203753" y="576461"/>
+                </a:lnTo>
+                <a:lnTo>
+                  <a:pt x="647480" y="2132734"/>
+                </a:lnTo>
+                <a:lnTo>
+                  <a:pt x="0" y="1485255"/>
+                </a:lnTo>
+                <a:close/>
+              </a:path>
+            </a:pathLst>
+          </a:custGeom>
+          <a:solidFill>
+            <a:schemeClr val="accent1">
+              <a:alpha val="30000"/>
+            </a:schemeClr>
+          </a:solidFill>
+          <a:ln>
+            <a:noFill/>
+          </a:ln>
+        </p:spPr>
+        <p:style>
+          <a:lnRef idx="2">
+            <a:schemeClr val="accent1">
+              <a:shade val="50000"/>
+            </a:schemeClr>
+          </a:lnRef>
+          <a:fillRef idx="1">
+            <a:schemeClr val="accent1"/>
+          </a:fillRef>
+          <a:effectRef idx="0">
+            <a:schemeClr val="accent1"/>
+          </a:effectRef>
+          <a:fontRef idx="minor">
+            <a:schemeClr val="lt1"/>
+          </a:fontRef>
+        </p:style>
+        <p:txBody>
+          <a:bodyPr wrap="square" rtlCol="0" anchor="ctr">
+            <a:noAutofit/>
+          </a:bodyPr>
+          <a:lstStyle/>
+          <a:p>
+            <a:pPr algn="ctr"/>
+            <a:endParaRPr lang="en-US"/>
+          </a:p>
+        </p:txBody>
+      </p:sp>
+      <p:sp>
+        <p:nvSpPr>
+          <p:cNvPr id="20" name="Rectangle 19">
+            <a:extLst>
+              <a:ext uri="{FF2B5EF4-FFF2-40B4-BE49-F238E27FC236}">
+                <a16:creationId xmlns:a16="http://schemas.microsoft.com/office/drawing/2014/main" id="{1849CA57-76BD-4CF2-80BA-D7A46A01B7B1}"/>
+              </a:ext>
+              <a:ext uri="{C183D7F6-B498-43B3-948B-1728B52AA6E4}">
+                <adec:decorative xmlns:adec="http://schemas.microsoft.com/office/drawing/2017/decorative" val="1"/>
+              </a:ext>
+            </a:extLst>
+          </p:cNvPr>
+          <p:cNvSpPr>
+            <a:spLocks noGrp="1" noRot="1" noChangeAspect="1" noMove="1" noResize="1" noEditPoints="1" noAdjustHandles="1" noChangeArrowheads="1" noChangeShapeType="1" noTextEdit="1"/>
+          </p:cNvSpPr>
+          <p:nvPr>
+            <p:extLst>
+              <p:ext uri="{386F3935-93C4-4BCD-93E2-E3B085C9AB24}">
+                <p16:designElem xmlns:p16="http://schemas.microsoft.com/office/powerpoint/2015/main" val="1"/>
+              </p:ext>
+            </p:extLst>
+          </p:nvPr>
+        </p:nvSpPr>
+        <p:spPr>
+          <a:xfrm rot="2700000">
+            <a:off x="1769787" y="5439893"/>
+            <a:ext cx="928467" cy="928467"/>
+          </a:xfrm>
+          <a:prstGeom prst="rect">
+            <a:avLst/>
+          </a:prstGeom>
+          <a:solidFill>
+            <a:schemeClr val="accent1">
+              <a:alpha val="30000"/>
+            </a:schemeClr>
+          </a:solidFill>
+          <a:ln>
+            <a:noFill/>
+          </a:ln>
+        </p:spPr>
+        <p:style>
+          <a:lnRef idx="2">
+            <a:schemeClr val="accent1">
+              <a:shade val="50000"/>
+            </a:schemeClr>
+          </a:lnRef>
+          <a:fillRef idx="1">
+            <a:schemeClr val="accent1"/>
+          </a:fillRef>
+          <a:effectRef idx="0">
+            <a:schemeClr val="accent1"/>
+          </a:effectRef>
+          <a:fontRef idx="minor">
+            <a:schemeClr val="lt1"/>
+          </a:fontRef>
+        </p:style>
+        <p:txBody>
+          <a:bodyPr wrap="square" rtlCol="0" anchor="ctr">
+            <a:noAutofit/>
+          </a:bodyPr>
+          <a:lstStyle/>
+          <a:p>
+            <a:pPr algn="ctr"/>
+            <a:endParaRPr lang="en-US">
+              <a:solidFill>
+                <a:srgbClr val="FFFFFF"/>
+              </a:solidFill>
+              <a:effectLst>
+                <a:outerShdw blurRad="38100" dist="38100" dir="2700000" algn="tl">
+                  <a:srgbClr val="000000">
+                    <a:alpha val="43137"/>
+                  </a:srgbClr>
+                </a:outerShdw>
+              </a:effectLst>
+            </a:endParaRPr>
+          </a:p>
+        </p:txBody>
+      </p:sp>
+      <p:sp>
+        <p:nvSpPr>
+          <p:cNvPr id="22" name="Freeform: Shape 21">
+            <a:extLst>
+              <a:ext uri="{FF2B5EF4-FFF2-40B4-BE49-F238E27FC236}">
+                <a16:creationId xmlns:a16="http://schemas.microsoft.com/office/drawing/2014/main" id="{35E9085E-E730-4768-83D4-6CB7E9897153}"/>
+              </a:ext>
+              <a:ext uri="{C183D7F6-B498-43B3-948B-1728B52AA6E4}">
+                <adec:decorative xmlns:adec="http://schemas.microsoft.com/office/drawing/2017/decorative" val="1"/>
+              </a:ext>
+            </a:extLst>
+          </p:cNvPr>
+          <p:cNvSpPr>
+            <a:spLocks noGrp="1" noRot="1" noChangeAspect="1" noMove="1" noResize="1" noEditPoints="1" noAdjustHandles="1" noChangeArrowheads="1" noChangeShapeType="1" noTextEdit="1"/>
+          </p:cNvSpPr>
+          <p:nvPr>
+            <p:extLst>
+              <p:ext uri="{386F3935-93C4-4BCD-93E2-E3B085C9AB24}">
+                <p16:designElem xmlns:p16="http://schemas.microsoft.com/office/powerpoint/2015/main" val="1"/>
+              </p:ext>
+            </p:extLst>
+          </p:nvPr>
+        </p:nvSpPr>
+        <p:spPr>
+          <a:xfrm rot="2700000">
+            <a:off x="3401311" y="734311"/>
+            <a:ext cx="5389379" cy="5389379"/>
+          </a:xfrm>
+          <a:custGeom>
+            <a:avLst/>
+            <a:gdLst>
+              <a:gd name="connsiteX0" fmla="*/ 0 w 5389379"/>
+              <a:gd name="connsiteY0" fmla="*/ 540040 h 5389379"/>
+              <a:gd name="connsiteX1" fmla="*/ 540040 w 5389379"/>
+              <a:gd name="connsiteY1" fmla="*/ 0 h 5389379"/>
+              <a:gd name="connsiteX2" fmla="*/ 5389379 w 5389379"/>
+              <a:gd name="connsiteY2" fmla="*/ 0 h 5389379"/>
+              <a:gd name="connsiteX3" fmla="*/ 5389379 w 5389379"/>
+              <a:gd name="connsiteY3" fmla="*/ 4838655 h 5389379"/>
+              <a:gd name="connsiteX4" fmla="*/ 4838655 w 5389379"/>
+              <a:gd name="connsiteY4" fmla="*/ 5389379 h 5389379"/>
+              <a:gd name="connsiteX5" fmla="*/ 0 w 5389379"/>
+              <a:gd name="connsiteY5" fmla="*/ 5389379 h 5389379"/>
+            </a:gdLst>
+            <a:ahLst/>
+            <a:cxnLst>
+              <a:cxn ang="0">
+                <a:pos x="connsiteX0" y="connsiteY0"/>
+              </a:cxn>
+              <a:cxn ang="0">
+                <a:pos x="connsiteX1" y="connsiteY1"/>
+              </a:cxn>
+              <a:cxn ang="0">
+                <a:pos x="connsiteX2" y="connsiteY2"/>
+              </a:cxn>
+              <a:cxn ang="0">
+                <a:pos x="connsiteX3" y="connsiteY3"/>
+              </a:cxn>
+              <a:cxn ang="0">
+                <a:pos x="connsiteX4" y="connsiteY4"/>
+              </a:cxn>
+              <a:cxn ang="0">
+                <a:pos x="connsiteX5" y="connsiteY5"/>
+              </a:cxn>
+            </a:cxnLst>
+            <a:rect l="l" t="t" r="r" b="b"/>
+            <a:pathLst>
+              <a:path w="5389379" h="5389379">
+                <a:moveTo>
+                  <a:pt x="0" y="540040"/>
+                </a:moveTo>
+                <a:lnTo>
+                  <a:pt x="540040" y="0"/>
+                </a:lnTo>
+                <a:lnTo>
+                  <a:pt x="5389379" y="0"/>
+                </a:lnTo>
+                <a:lnTo>
+                  <a:pt x="5389379" y="4838655"/>
+                </a:lnTo>
+                <a:lnTo>
+                  <a:pt x="4838655" y="5389379"/>
+                </a:lnTo>
+                <a:lnTo>
+                  <a:pt x="0" y="5389379"/>
+                </a:lnTo>
+                <a:close/>
+              </a:path>
+            </a:pathLst>
+          </a:custGeom>
+          <a:solidFill>
+            <a:srgbClr val="FFFFFF"/>
+          </a:solidFill>
+          <a:ln>
+            <a:noFill/>
+          </a:ln>
+        </p:spPr>
+        <p:style>
+          <a:lnRef idx="2">
+            <a:schemeClr val="accent1">
+              <a:shade val="50000"/>
+            </a:schemeClr>
+          </a:lnRef>
+          <a:fillRef idx="1">
+            <a:schemeClr val="accent1"/>
+          </a:fillRef>
+          <a:effectRef idx="0">
+            <a:schemeClr val="accent1"/>
+          </a:effectRef>
+          <a:fontRef idx="minor">
+            <a:schemeClr val="lt1"/>
+          </a:fontRef>
+        </p:style>
+        <p:txBody>
+          <a:bodyPr wrap="square" rtlCol="0" anchor="ctr">
+            <a:noAutofit/>
+          </a:bodyPr>
+          <a:lstStyle/>
+          <a:p>
+            <a:pPr algn="ctr"/>
+            <a:endParaRPr lang="en-US"/>
+          </a:p>
+        </p:txBody>
+      </p:sp>
+      <p:sp>
+        <p:nvSpPr>
+          <p:cNvPr id="24" name="Freeform: Shape 23">
+            <a:extLst>
+              <a:ext uri="{FF2B5EF4-FFF2-40B4-BE49-F238E27FC236}">
+                <a16:creationId xmlns:a16="http://schemas.microsoft.com/office/drawing/2014/main" id="{973272FE-A474-4CAE-8CA2-BCC8B476C3F4}"/>
+              </a:ext>
+              <a:ext uri="{C183D7F6-B498-43B3-948B-1728B52AA6E4}">
+                <adec:decorative xmlns:adec="http://schemas.microsoft.com/office/drawing/2017/decorative" val="1"/>
+              </a:ext>
+            </a:extLst>
+          </p:cNvPr>
+          <p:cNvSpPr>
+            <a:spLocks noGrp="1" noRot="1" noChangeAspect="1" noMove="1" noResize="1" noEditPoints="1" noAdjustHandles="1" noChangeArrowheads="1" noChangeShapeType="1" noTextEdit="1"/>
+          </p:cNvSpPr>
+          <p:nvPr>
+            <p:extLst>
+              <p:ext uri="{386F3935-93C4-4BCD-93E2-E3B085C9AB24}">
+                <p16:designElem xmlns:p16="http://schemas.microsoft.com/office/powerpoint/2015/main" val="1"/>
+              </p:ext>
+            </p:extLst>
+          </p:nvPr>
+        </p:nvSpPr>
+        <p:spPr>
+          <a:xfrm rot="2700000">
+            <a:off x="2700283" y="33283"/>
+            <a:ext cx="6791435" cy="6791435"/>
+          </a:xfrm>
+          <a:custGeom>
+            <a:avLst/>
+            <a:gdLst>
+              <a:gd name="connsiteX0" fmla="*/ 1860938 w 6791435"/>
+              <a:gd name="connsiteY0" fmla="*/ 81158 h 6791435"/>
+              <a:gd name="connsiteX1" fmla="*/ 1942096 w 6791435"/>
+              <a:gd name="connsiteY1" fmla="*/ 0 h 6791435"/>
+              <a:gd name="connsiteX2" fmla="*/ 6791435 w 6791435"/>
+              <a:gd name="connsiteY2" fmla="*/ 0 h 6791435"/>
+              <a:gd name="connsiteX3" fmla="*/ 6791435 w 6791435"/>
+              <a:gd name="connsiteY3" fmla="*/ 4838655 h 6791435"/>
+              <a:gd name="connsiteX4" fmla="*/ 6710277 w 6791435"/>
+              <a:gd name="connsiteY4" fmla="*/ 4919813 h 6791435"/>
+              <a:gd name="connsiteX5" fmla="*/ 6710277 w 6791435"/>
+              <a:gd name="connsiteY5" fmla="*/ 81158 h 6791435"/>
+              <a:gd name="connsiteX6" fmla="*/ 0 w 6791435"/>
+              <a:gd name="connsiteY6" fmla="*/ 1942096 h 6791435"/>
+              <a:gd name="connsiteX7" fmla="*/ 81158 w 6791435"/>
+              <a:gd name="connsiteY7" fmla="*/ 1860938 h 6791435"/>
+              <a:gd name="connsiteX8" fmla="*/ 81158 w 6791435"/>
+              <a:gd name="connsiteY8" fmla="*/ 6710277 h 6791435"/>
+              <a:gd name="connsiteX9" fmla="*/ 4919813 w 6791435"/>
+              <a:gd name="connsiteY9" fmla="*/ 6710277 h 6791435"/>
+              <a:gd name="connsiteX10" fmla="*/ 4838655 w 6791435"/>
+              <a:gd name="connsiteY10" fmla="*/ 6791435 h 6791435"/>
+              <a:gd name="connsiteX11" fmla="*/ 0 w 6791435"/>
+              <a:gd name="connsiteY11" fmla="*/ 6791435 h 6791435"/>
+            </a:gdLst>
+            <a:ahLst/>
+            <a:cxnLst>
+              <a:cxn ang="0">
+                <a:pos x="connsiteX0" y="connsiteY0"/>
+              </a:cxn>
+              <a:cxn ang="0">
+                <a:pos x="connsiteX1" y="connsiteY1"/>
+              </a:cxn>
+              <a:cxn ang="0">
+                <a:pos x="connsiteX2" y="connsiteY2"/>
+              </a:cxn>
+              <a:cxn ang="0">
+                <a:pos x="connsiteX3" y="connsiteY3"/>
+              </a:cxn>
+              <a:cxn ang="0">
+                <a:pos x="connsiteX4" y="connsiteY4"/>
+              </a:cxn>
+              <a:cxn ang="0">
+                <a:pos x="connsiteX5" y="connsiteY5"/>
+              </a:cxn>
+              <a:cxn ang="0">
+                <a:pos x="connsiteX6" y="connsiteY6"/>
+              </a:cxn>
+              <a:cxn ang="0">
+                <a:pos x="connsiteX7" y="connsiteY7"/>
+              </a:cxn>
+              <a:cxn ang="0">
+                <a:pos x="connsiteX8" y="connsiteY8"/>
+              </a:cxn>
+              <a:cxn ang="0">
+                <a:pos x="connsiteX9" y="connsiteY9"/>
+              </a:cxn>
+              <a:cxn ang="0">
+                <a:pos x="connsiteX10" y="connsiteY10"/>
+              </a:cxn>
+              <a:cxn ang="0">
+                <a:pos x="connsiteX11" y="connsiteY11"/>
+              </a:cxn>
+            </a:cxnLst>
+            <a:rect l="l" t="t" r="r" b="b"/>
+            <a:pathLst>
+              <a:path w="6791435" h="6791435">
+                <a:moveTo>
+                  <a:pt x="1860938" y="81158"/>
+                </a:moveTo>
+                <a:lnTo>
+                  <a:pt x="1942096" y="0"/>
+                </a:lnTo>
+                <a:lnTo>
+                  <a:pt x="6791435" y="0"/>
+                </a:lnTo>
+                <a:lnTo>
+                  <a:pt x="6791435" y="4838655"/>
+                </a:lnTo>
+                <a:lnTo>
+                  <a:pt x="6710277" y="4919813"/>
+                </a:lnTo>
+                <a:lnTo>
+                  <a:pt x="6710277" y="81158"/>
+                </a:lnTo>
+                <a:close/>
+                <a:moveTo>
+                  <a:pt x="0" y="1942096"/>
+                </a:moveTo>
+                <a:lnTo>
+                  <a:pt x="81158" y="1860938"/>
+                </a:lnTo>
+                <a:lnTo>
+                  <a:pt x="81158" y="6710277"/>
+                </a:lnTo>
+                <a:lnTo>
+                  <a:pt x="4919813" y="6710277"/>
+                </a:lnTo>
+                <a:lnTo>
+                  <a:pt x="4838655" y="6791435"/>
+                </a:lnTo>
+                <a:lnTo>
+                  <a:pt x="0" y="6791435"/>
+                </a:lnTo>
+                <a:close/>
+              </a:path>
+            </a:pathLst>
+          </a:custGeom>
+          <a:solidFill>
+            <a:srgbClr val="FFFFFF">
+              <a:alpha val="60000"/>
+            </a:srgbClr>
+          </a:solidFill>
+          <a:ln>
+            <a:noFill/>
+          </a:ln>
+        </p:spPr>
+        <p:style>
+          <a:lnRef idx="2">
+            <a:schemeClr val="accent1">
+              <a:shade val="50000"/>
+            </a:schemeClr>
+          </a:lnRef>
+          <a:fillRef idx="1">
+            <a:schemeClr val="accent1"/>
+          </a:fillRef>
+          <a:effectRef idx="0">
+            <a:schemeClr val="accent1"/>
+          </a:effectRef>
+          <a:fontRef idx="minor">
+            <a:schemeClr val="lt1"/>
+          </a:fontRef>
+        </p:style>
+        <p:txBody>
+          <a:bodyPr wrap="square" rtlCol="0" anchor="ctr">
+            <a:noAutofit/>
+          </a:bodyPr>
+          <a:lstStyle/>
+          <a:p>
+            <a:pPr algn="ctr"/>
+            <a:endParaRPr lang="en-US">
+              <a:solidFill>
+                <a:schemeClr val="tx1"/>
+              </a:solidFill>
+            </a:endParaRPr>
+          </a:p>
+        </p:txBody>
+      </p:sp>
+      <p:sp>
+        <p:nvSpPr>
+          <p:cNvPr id="2" name="Titre 1">
+            <a:extLst>
+              <a:ext uri="{FF2B5EF4-FFF2-40B4-BE49-F238E27FC236}">
+                <a16:creationId xmlns:a16="http://schemas.microsoft.com/office/drawing/2014/main" id="{620F7011-EEBE-44A1-A08C-935465703212}"/>
+              </a:ext>
+            </a:extLst>
+          </p:cNvPr>
+          <p:cNvSpPr>
+            <a:spLocks noGrp="1"/>
+          </p:cNvSpPr>
+          <p:nvPr>
+            <p:ph type="title"/>
+          </p:nvPr>
+        </p:nvSpPr>
+        <p:spPr>
+          <a:xfrm>
+            <a:off x="2940910" y="1122723"/>
+            <a:ext cx="5782716" cy="704401"/>
+          </a:xfrm>
+          <a:noFill/>
+        </p:spPr>
+        <p:txBody>
+          <a:bodyPr vert="horz" lIns="91440" tIns="45720" rIns="91440" bIns="45720" rtlCol="0" anchor="ctr">
+            <a:normAutofit/>
+          </a:bodyPr>
+          <a:lstStyle/>
+          <a:p>
+            <a:pPr algn="ctr"/>
+            <a:r>
+              <a:rPr lang="en-US" sz="3600" kern="1200" dirty="0">
+                <a:solidFill>
+                  <a:srgbClr val="080808"/>
+                </a:solidFill>
+                <a:latin typeface="+mj-lt"/>
+                <a:ea typeface="+mj-ea"/>
+                <a:cs typeface="+mj-cs"/>
+              </a:rPr>
+              <a:t>Notre Repo</a:t>
+            </a:r>
+          </a:p>
+        </p:txBody>
+      </p:sp>
+      <p:sp>
+        <p:nvSpPr>
+          <p:cNvPr id="26" name="Freeform: Shape 25">
+            <a:extLst>
+              <a:ext uri="{FF2B5EF4-FFF2-40B4-BE49-F238E27FC236}">
+                <a16:creationId xmlns:a16="http://schemas.microsoft.com/office/drawing/2014/main" id="{E07981EA-05A6-437C-88D7-B377B92B031D}"/>
+              </a:ext>
+              <a:ext uri="{C183D7F6-B498-43B3-948B-1728B52AA6E4}">
+                <adec:decorative xmlns:adec="http://schemas.microsoft.com/office/drawing/2017/decorative" val="1"/>
+              </a:ext>
+            </a:extLst>
+          </p:cNvPr>
+          <p:cNvSpPr>
+            <a:spLocks noGrp="1" noRot="1" noChangeAspect="1" noMove="1" noResize="1" noEditPoints="1" noAdjustHandles="1" noChangeArrowheads="1" noChangeShapeType="1" noTextEdit="1"/>
+          </p:cNvSpPr>
+          <p:nvPr>
+            <p:extLst>
+              <p:ext uri="{386F3935-93C4-4BCD-93E2-E3B085C9AB24}">
+                <p16:designElem xmlns:p16="http://schemas.microsoft.com/office/powerpoint/2015/main" val="1"/>
+              </p:ext>
+            </p:extLst>
+          </p:nvPr>
+        </p:nvSpPr>
+        <p:spPr>
+          <a:xfrm rot="2700000">
+            <a:off x="9629823" y="5457591"/>
+            <a:ext cx="2231794" cy="2568811"/>
+          </a:xfrm>
+          <a:custGeom>
+            <a:avLst/>
+            <a:gdLst>
+              <a:gd name="connsiteX0" fmla="*/ 0 w 2940086"/>
+              <a:gd name="connsiteY0" fmla="*/ 0 h 3384061"/>
+              <a:gd name="connsiteX1" fmla="*/ 2496112 w 2940086"/>
+              <a:gd name="connsiteY1" fmla="*/ 0 h 3384061"/>
+              <a:gd name="connsiteX2" fmla="*/ 2940086 w 2940086"/>
+              <a:gd name="connsiteY2" fmla="*/ 443975 h 3384061"/>
+              <a:gd name="connsiteX3" fmla="*/ 0 w 2940086"/>
+              <a:gd name="connsiteY3" fmla="*/ 3384061 h 3384061"/>
+            </a:gdLst>
+            <a:ahLst/>
+            <a:cxnLst>
+              <a:cxn ang="0">
+                <a:pos x="connsiteX0" y="connsiteY0"/>
+              </a:cxn>
+              <a:cxn ang="0">
+                <a:pos x="connsiteX1" y="connsiteY1"/>
+              </a:cxn>
+              <a:cxn ang="0">
+                <a:pos x="connsiteX2" y="connsiteY2"/>
+              </a:cxn>
+              <a:cxn ang="0">
+                <a:pos x="connsiteX3" y="connsiteY3"/>
+              </a:cxn>
+            </a:cxnLst>
+            <a:rect l="l" t="t" r="r" b="b"/>
+            <a:pathLst>
+              <a:path w="2940086" h="3384061">
+                <a:moveTo>
+                  <a:pt x="0" y="0"/>
+                </a:moveTo>
+                <a:lnTo>
+                  <a:pt x="2496112" y="0"/>
+                </a:lnTo>
+                <a:lnTo>
+                  <a:pt x="2940086" y="443975"/>
+                </a:lnTo>
+                <a:lnTo>
+                  <a:pt x="0" y="3384061"/>
+                </a:lnTo>
+                <a:close/>
+              </a:path>
+            </a:pathLst>
+          </a:custGeom>
+          <a:solidFill>
+            <a:schemeClr val="accent4">
+              <a:alpha val="40000"/>
+            </a:schemeClr>
+          </a:solidFill>
+          <a:ln>
+            <a:noFill/>
+          </a:ln>
+        </p:spPr>
+        <p:style>
+          <a:lnRef idx="2">
+            <a:schemeClr val="accent1">
+              <a:shade val="50000"/>
+            </a:schemeClr>
+          </a:lnRef>
+          <a:fillRef idx="1">
+            <a:schemeClr val="accent1"/>
+          </a:fillRef>
+          <a:effectRef idx="0">
+            <a:schemeClr val="accent1"/>
+          </a:effectRef>
+          <a:fontRef idx="minor">
+            <a:schemeClr val="lt1"/>
+          </a:fontRef>
+        </p:style>
+        <p:txBody>
+          <a:bodyPr wrap="square" rtlCol="0" anchor="ctr">
+            <a:noAutofit/>
+          </a:bodyPr>
+          <a:lstStyle/>
+          <a:p>
+            <a:pPr algn="ctr"/>
+            <a:endParaRPr lang="en-US"/>
+          </a:p>
+        </p:txBody>
+      </p:sp>
+      <p:sp>
+        <p:nvSpPr>
+          <p:cNvPr id="28" name="Rectangle 27">
+            <a:extLst>
+              <a:ext uri="{FF2B5EF4-FFF2-40B4-BE49-F238E27FC236}">
+                <a16:creationId xmlns:a16="http://schemas.microsoft.com/office/drawing/2014/main" id="{15E3C750-986E-4769-B1AE-49289FBEE757}"/>
+              </a:ext>
+              <a:ext uri="{C183D7F6-B498-43B3-948B-1728B52AA6E4}">
+                <adec:decorative xmlns:adec="http://schemas.microsoft.com/office/drawing/2017/decorative" val="1"/>
+              </a:ext>
+            </a:extLst>
+          </p:cNvPr>
+          <p:cNvSpPr>
+            <a:spLocks noGrp="1" noRot="1" noChangeAspect="1" noMove="1" noResize="1" noEditPoints="1" noAdjustHandles="1" noChangeArrowheads="1" noChangeShapeType="1" noTextEdit="1"/>
+          </p:cNvSpPr>
+          <p:nvPr>
+            <p:extLst>
+              <p:ext uri="{386F3935-93C4-4BCD-93E2-E3B085C9AB24}">
+                <p16:designElem xmlns:p16="http://schemas.microsoft.com/office/powerpoint/2015/main" val="1"/>
+              </p:ext>
+            </p:extLst>
+          </p:nvPr>
+        </p:nvSpPr>
+        <p:spPr>
+          <a:xfrm rot="2700000">
+            <a:off x="9720059" y="5243545"/>
+            <a:ext cx="959985" cy="959985"/>
+          </a:xfrm>
+          <a:prstGeom prst="rect">
+            <a:avLst/>
+          </a:prstGeom>
+          <a:solidFill>
+            <a:schemeClr val="accent4">
+              <a:alpha val="40000"/>
+            </a:schemeClr>
+          </a:solidFill>
+          <a:ln>
+            <a:noFill/>
+          </a:ln>
+        </p:spPr>
+        <p:style>
+          <a:lnRef idx="2">
+            <a:schemeClr val="accent1">
+              <a:shade val="50000"/>
+            </a:schemeClr>
+          </a:lnRef>
+          <a:fillRef idx="1">
+            <a:schemeClr val="accent1"/>
+          </a:fillRef>
+          <a:effectRef idx="0">
+            <a:schemeClr val="accent1"/>
+          </a:effectRef>
+          <a:fontRef idx="minor">
+            <a:schemeClr val="lt1"/>
+          </a:fontRef>
+        </p:style>
+        <p:txBody>
+          <a:bodyPr wrap="square" rtlCol="0" anchor="ctr">
+            <a:noAutofit/>
+          </a:bodyPr>
+          <a:lstStyle/>
+          <a:p>
+            <a:pPr algn="ctr"/>
+            <a:endParaRPr lang="en-US"/>
+          </a:p>
+        </p:txBody>
+      </p:sp>
+      <p:sp>
+        <p:nvSpPr>
+          <p:cNvPr id="3" name="ZoneTexte 2">
+            <a:extLst>
+              <a:ext uri="{FF2B5EF4-FFF2-40B4-BE49-F238E27FC236}">
+                <a16:creationId xmlns:a16="http://schemas.microsoft.com/office/drawing/2014/main" id="{2E0417A9-6F8D-43B8-92CA-EE954F7A8D41}"/>
+              </a:ext>
+            </a:extLst>
+          </p:cNvPr>
+          <p:cNvSpPr txBox="1"/>
+          <p:nvPr/>
+        </p:nvSpPr>
+        <p:spPr>
+          <a:xfrm>
+            <a:off x="3791751" y="3059668"/>
+            <a:ext cx="4236096" cy="369332"/>
+          </a:xfrm>
+          <a:prstGeom prst="rect">
+            <a:avLst/>
+          </a:prstGeom>
+          <a:noFill/>
+        </p:spPr>
+        <p:txBody>
+          <a:bodyPr wrap="none" rtlCol="0">
+            <a:spAutoFit/>
+          </a:bodyPr>
+          <a:lstStyle/>
+          <a:p>
+            <a:r>
+              <a:rPr lang="fr-FR" dirty="0"/>
+              <a:t>https://github.com/antoineThiel/Reporting</a:t>
+            </a:r>
+          </a:p>
+        </p:txBody>
+      </p:sp>
+    </p:spTree>
+    <p:extLst>
+      <p:ext uri="{BB962C8B-B14F-4D97-AF65-F5344CB8AC3E}">
+        <p14:creationId xmlns:p14="http://schemas.microsoft.com/office/powerpoint/2010/main" val="2777471226"/>
+      </p:ext>
+    </p:extLst>
+  </p:cSld>
+  <p:clrMapOvr>
+    <a:masterClrMapping/>
+  </p:clrMapOvr>
+</p:sld>
+</file>
+
 <file path=ppt/slides/slide2.xml><?xml version="1.0" encoding="utf-8"?>
 <p:sld xmlns:a="http://schemas.openxmlformats.org/drawingml/2006/main" xmlns:r="http://schemas.openxmlformats.org/officeDocument/2006/relationships" xmlns:p="http://schemas.openxmlformats.org/presentationml/2006/main">
   <p:cSld>

--- a/Déploiement et Reporting.pptx
+++ b/Déploiement et Reporting.pptx
@@ -10731,22 +10731,295 @@
         </p:nvSpPr>
         <p:spPr>
           <a:xfrm>
-            <a:off x="1524000" y="106291"/>
-            <a:ext cx="9144000" cy="2387600"/>
+            <a:off x="1702392" y="114615"/>
+            <a:ext cx="8123583" cy="1404760"/>
           </a:xfrm>
         </p:spPr>
         <p:txBody>
-          <a:bodyPr/>
+          <a:bodyPr>
+            <a:normAutofit/>
+          </a:bodyPr>
           <a:lstStyle/>
           <a:p>
             <a:r>
-              <a:rPr lang="fr-FR" dirty="0"/>
+              <a:rPr lang="fr-FR" sz="3600" dirty="0"/>
               <a:t>Mise en place d’Analytics</a:t>
             </a:r>
             <a:br>
-              <a:rPr lang="fr-FR" dirty="0"/>
+              <a:rPr lang="fr-FR" sz="3600" dirty="0"/>
             </a:br>
-            <a:endParaRPr lang="fr-FR" dirty="0"/>
+            <a:endParaRPr lang="fr-FR" sz="3600" dirty="0"/>
+          </a:p>
+        </p:txBody>
+      </p:sp>
+      <p:pic>
+        <p:nvPicPr>
+          <p:cNvPr id="2" name="Image 1">
+            <a:extLst>
+              <a:ext uri="{FF2B5EF4-FFF2-40B4-BE49-F238E27FC236}">
+                <a16:creationId xmlns:a16="http://schemas.microsoft.com/office/drawing/2014/main" id="{5EFF00ED-3CEF-40E2-8759-DEF5282CCE97}"/>
+              </a:ext>
+            </a:extLst>
+          </p:cNvPr>
+          <p:cNvPicPr>
+            <a:picLocks noChangeAspect="1"/>
+          </p:cNvPicPr>
+          <p:nvPr/>
+        </p:nvPicPr>
+        <p:blipFill rotWithShape="1">
+          <a:blip r:embed="rId2"/>
+          <a:srcRect r="20172"/>
+          <a:stretch/>
+        </p:blipFill>
+        <p:spPr>
+          <a:xfrm>
+            <a:off x="3578134" y="1252431"/>
+            <a:ext cx="3622404" cy="752534"/>
+          </a:xfrm>
+          <a:prstGeom prst="rect">
+            <a:avLst/>
+          </a:prstGeom>
+        </p:spPr>
+      </p:pic>
+      <p:pic>
+        <p:nvPicPr>
+          <p:cNvPr id="3" name="Image 2">
+            <a:extLst>
+              <a:ext uri="{FF2B5EF4-FFF2-40B4-BE49-F238E27FC236}">
+                <a16:creationId xmlns:a16="http://schemas.microsoft.com/office/drawing/2014/main" id="{467D7C0F-0451-428B-BD91-E12B3794C274}"/>
+              </a:ext>
+            </a:extLst>
+          </p:cNvPr>
+          <p:cNvPicPr>
+            <a:picLocks noChangeAspect="1"/>
+          </p:cNvPicPr>
+          <p:nvPr/>
+        </p:nvPicPr>
+        <p:blipFill>
+          <a:blip r:embed="rId3"/>
+          <a:stretch>
+            <a:fillRect/>
+          </a:stretch>
+        </p:blipFill>
+        <p:spPr>
+          <a:xfrm>
+            <a:off x="3578134" y="4019149"/>
+            <a:ext cx="5294337" cy="907830"/>
+          </a:xfrm>
+          <a:prstGeom prst="rect">
+            <a:avLst/>
+          </a:prstGeom>
+        </p:spPr>
+      </p:pic>
+      <p:sp>
+        <p:nvSpPr>
+          <p:cNvPr id="4" name="ZoneTexte 3">
+            <a:extLst>
+              <a:ext uri="{FF2B5EF4-FFF2-40B4-BE49-F238E27FC236}">
+                <a16:creationId xmlns:a16="http://schemas.microsoft.com/office/drawing/2014/main" id="{F08713B0-01CB-450B-919C-91E68593C963}"/>
+              </a:ext>
+            </a:extLst>
+          </p:cNvPr>
+          <p:cNvSpPr txBox="1"/>
+          <p:nvPr/>
+        </p:nvSpPr>
+        <p:spPr>
+          <a:xfrm>
+            <a:off x="3490838" y="3515697"/>
+            <a:ext cx="5294336" cy="461665"/>
+          </a:xfrm>
+          <a:prstGeom prst="rect">
+            <a:avLst/>
+          </a:prstGeom>
+          <a:noFill/>
+        </p:spPr>
+        <p:txBody>
+          <a:bodyPr wrap="square" rtlCol="0">
+            <a:spAutoFit/>
+          </a:bodyPr>
+          <a:lstStyle/>
+          <a:p>
+            <a:r>
+              <a:rPr lang="fr-FR" sz="1200" dirty="0"/>
+              <a:t>Mise en place des sondes sur les réponses pour savoir quel sont les réponses les plus cliquées par les </a:t>
+            </a:r>
+            <a:r>
+              <a:rPr lang="fr-FR" sz="1200" dirty="0" err="1"/>
+              <a:t>users</a:t>
+            </a:r>
+            <a:endParaRPr lang="fr-FR" sz="1200" dirty="0"/>
+          </a:p>
+        </p:txBody>
+      </p:sp>
+      <p:pic>
+        <p:nvPicPr>
+          <p:cNvPr id="5" name="Image 4">
+            <a:extLst>
+              <a:ext uri="{FF2B5EF4-FFF2-40B4-BE49-F238E27FC236}">
+                <a16:creationId xmlns:a16="http://schemas.microsoft.com/office/drawing/2014/main" id="{AB25478B-0928-4509-93D5-91A32E192FDC}"/>
+              </a:ext>
+            </a:extLst>
+          </p:cNvPr>
+          <p:cNvPicPr>
+            <a:picLocks noChangeAspect="1"/>
+          </p:cNvPicPr>
+          <p:nvPr/>
+        </p:nvPicPr>
+        <p:blipFill rotWithShape="1">
+          <a:blip r:embed="rId4"/>
+          <a:srcRect r="7768"/>
+          <a:stretch/>
+        </p:blipFill>
+        <p:spPr>
+          <a:xfrm>
+            <a:off x="3582424" y="2346339"/>
+            <a:ext cx="3766437" cy="1093699"/>
+          </a:xfrm>
+          <a:prstGeom prst="rect">
+            <a:avLst/>
+          </a:prstGeom>
+        </p:spPr>
+      </p:pic>
+      <p:sp>
+        <p:nvSpPr>
+          <p:cNvPr id="19" name="ZoneTexte 18">
+            <a:extLst>
+              <a:ext uri="{FF2B5EF4-FFF2-40B4-BE49-F238E27FC236}">
+                <a16:creationId xmlns:a16="http://schemas.microsoft.com/office/drawing/2014/main" id="{B6915B3E-42C6-4472-B9E0-134ABA776BB4}"/>
+              </a:ext>
+            </a:extLst>
+          </p:cNvPr>
+          <p:cNvSpPr txBox="1"/>
+          <p:nvPr/>
+        </p:nvSpPr>
+        <p:spPr>
+          <a:xfrm>
+            <a:off x="3539778" y="2069666"/>
+            <a:ext cx="5294336" cy="461665"/>
+          </a:xfrm>
+          <a:prstGeom prst="rect">
+            <a:avLst/>
+          </a:prstGeom>
+          <a:noFill/>
+        </p:spPr>
+        <p:txBody>
+          <a:bodyPr wrap="square" rtlCol="0">
+            <a:spAutoFit/>
+          </a:bodyPr>
+          <a:lstStyle/>
+          <a:p>
+            <a:r>
+              <a:rPr lang="fr-FR" sz="1200" dirty="0"/>
+              <a:t>Mise en place d’une sondes sur le bouton commencer pour savoir combien de fois un utilisateur joue</a:t>
+            </a:r>
+          </a:p>
+        </p:txBody>
+      </p:sp>
+      <p:sp>
+        <p:nvSpPr>
+          <p:cNvPr id="21" name="ZoneTexte 20">
+            <a:extLst>
+              <a:ext uri="{FF2B5EF4-FFF2-40B4-BE49-F238E27FC236}">
+                <a16:creationId xmlns:a16="http://schemas.microsoft.com/office/drawing/2014/main" id="{F90D06D1-14FF-4314-B4A4-9889D2D12B58}"/>
+              </a:ext>
+            </a:extLst>
+          </p:cNvPr>
+          <p:cNvSpPr txBox="1"/>
+          <p:nvPr/>
+        </p:nvSpPr>
+        <p:spPr>
+          <a:xfrm>
+            <a:off x="3490838" y="1003046"/>
+            <a:ext cx="5294336" cy="276999"/>
+          </a:xfrm>
+          <a:prstGeom prst="rect">
+            <a:avLst/>
+          </a:prstGeom>
+          <a:noFill/>
+        </p:spPr>
+        <p:txBody>
+          <a:bodyPr wrap="square" rtlCol="0">
+            <a:spAutoFit/>
+          </a:bodyPr>
+          <a:lstStyle/>
+          <a:p>
+            <a:r>
+              <a:rPr lang="fr-FR" sz="1200" dirty="0"/>
+              <a:t>Propriété utilisateur pour définir des joueurs par défaut </a:t>
+            </a:r>
+          </a:p>
+        </p:txBody>
+      </p:sp>
+      <p:pic>
+        <p:nvPicPr>
+          <p:cNvPr id="7" name="Image 6">
+            <a:extLst>
+              <a:ext uri="{FF2B5EF4-FFF2-40B4-BE49-F238E27FC236}">
+                <a16:creationId xmlns:a16="http://schemas.microsoft.com/office/drawing/2014/main" id="{B9A742EB-AAF5-41EC-AE22-3B0CD5D9DEF2}"/>
+              </a:ext>
+            </a:extLst>
+          </p:cNvPr>
+          <p:cNvPicPr>
+            <a:picLocks noChangeAspect="1"/>
+          </p:cNvPicPr>
+          <p:nvPr/>
+        </p:nvPicPr>
+        <p:blipFill>
+          <a:blip r:embed="rId5"/>
+          <a:stretch>
+            <a:fillRect/>
+          </a:stretch>
+        </p:blipFill>
+        <p:spPr>
+          <a:xfrm>
+            <a:off x="3539778" y="5472953"/>
+            <a:ext cx="3551825" cy="671758"/>
+          </a:xfrm>
+          <a:prstGeom prst="rect">
+            <a:avLst/>
+          </a:prstGeom>
+        </p:spPr>
+      </p:pic>
+      <p:sp>
+        <p:nvSpPr>
+          <p:cNvPr id="23" name="ZoneTexte 22">
+            <a:extLst>
+              <a:ext uri="{FF2B5EF4-FFF2-40B4-BE49-F238E27FC236}">
+                <a16:creationId xmlns:a16="http://schemas.microsoft.com/office/drawing/2014/main" id="{AA65D916-7E8F-4003-B6A6-16052C82E8F5}"/>
+              </a:ext>
+            </a:extLst>
+          </p:cNvPr>
+          <p:cNvSpPr txBox="1"/>
+          <p:nvPr/>
+        </p:nvSpPr>
+        <p:spPr>
+          <a:xfrm>
+            <a:off x="3490838" y="4979413"/>
+            <a:ext cx="5294336" cy="276999"/>
+          </a:xfrm>
+          <a:prstGeom prst="rect">
+            <a:avLst/>
+          </a:prstGeom>
+          <a:noFill/>
+        </p:spPr>
+        <p:txBody>
+          <a:bodyPr wrap="square" rtlCol="0">
+            <a:spAutoFit/>
+          </a:bodyPr>
+          <a:lstStyle/>
+          <a:p>
+            <a:r>
+              <a:rPr lang="fr-FR" sz="1200" dirty="0"/>
+              <a:t>Evènement </a:t>
+            </a:r>
+            <a:r>
+              <a:rPr lang="fr-FR" sz="1200" dirty="0" err="1"/>
+              <a:t>game</a:t>
+            </a:r>
+            <a:r>
+              <a:rPr lang="fr-FR" sz="1200" dirty="0"/>
+              <a:t>-over par default quand on arrive sur la fin de partie </a:t>
+            </a:r>
           </a:p>
         </p:txBody>
       </p:sp>
@@ -11948,26 +12221,228 @@
             <p:ph type="ctrTitle"/>
           </p:nvPr>
         </p:nvSpPr>
-        <p:spPr/>
-        <p:txBody>
-          <a:bodyPr/>
+        <p:spPr>
+          <a:xfrm>
+            <a:off x="1333784" y="-69789"/>
+            <a:ext cx="9144000" cy="2387600"/>
+          </a:xfrm>
+        </p:spPr>
+        <p:txBody>
+          <a:bodyPr>
+            <a:normAutofit/>
+          </a:bodyPr>
           <a:lstStyle/>
           <a:p>
             <a:r>
-              <a:rPr lang="fr-FR" dirty="0"/>
+              <a:rPr lang="fr-FR" sz="3600" dirty="0"/>
               <a:t>Rapport </a:t>
             </a:r>
             <a:r>
-              <a:rPr lang="fr-FR" dirty="0" err="1"/>
+              <a:rPr lang="fr-FR" sz="3600" dirty="0" err="1"/>
               <a:t>analytics</a:t>
             </a:r>
             <a:br>
-              <a:rPr lang="fr-FR" dirty="0"/>
+              <a:rPr lang="fr-FR" sz="3600" dirty="0"/>
             </a:br>
-            <a:endParaRPr lang="fr-FR" dirty="0"/>
-          </a:p>
-        </p:txBody>
-      </p:sp>
+            <a:endParaRPr lang="fr-FR" sz="3600" dirty="0"/>
+          </a:p>
+        </p:txBody>
+      </p:sp>
+      <p:pic>
+        <p:nvPicPr>
+          <p:cNvPr id="2" name="Image 1">
+            <a:extLst>
+              <a:ext uri="{FF2B5EF4-FFF2-40B4-BE49-F238E27FC236}">
+                <a16:creationId xmlns:a16="http://schemas.microsoft.com/office/drawing/2014/main" id="{5D8BD9C8-94DD-42B0-B31F-FC8429D00B59}"/>
+              </a:ext>
+            </a:extLst>
+          </p:cNvPr>
+          <p:cNvPicPr>
+            <a:picLocks noChangeAspect="1"/>
+          </p:cNvPicPr>
+          <p:nvPr/>
+        </p:nvPicPr>
+        <p:blipFill>
+          <a:blip r:embed="rId2"/>
+          <a:stretch>
+            <a:fillRect/>
+          </a:stretch>
+        </p:blipFill>
+        <p:spPr>
+          <a:xfrm>
+            <a:off x="2695859" y="2246825"/>
+            <a:ext cx="6419850" cy="504825"/>
+          </a:xfrm>
+          <a:prstGeom prst="rect">
+            <a:avLst/>
+          </a:prstGeom>
+        </p:spPr>
+      </p:pic>
+      <p:sp>
+        <p:nvSpPr>
+          <p:cNvPr id="19" name="ZoneTexte 18">
+            <a:extLst>
+              <a:ext uri="{FF2B5EF4-FFF2-40B4-BE49-F238E27FC236}">
+                <a16:creationId xmlns:a16="http://schemas.microsoft.com/office/drawing/2014/main" id="{E138D898-8922-4B7D-9808-E62E0553BD94}"/>
+              </a:ext>
+            </a:extLst>
+          </p:cNvPr>
+          <p:cNvSpPr txBox="1"/>
+          <p:nvPr/>
+        </p:nvSpPr>
+        <p:spPr>
+          <a:xfrm>
+            <a:off x="5085735" y="1920134"/>
+            <a:ext cx="5294336" cy="276999"/>
+          </a:xfrm>
+          <a:prstGeom prst="rect">
+            <a:avLst/>
+          </a:prstGeom>
+          <a:noFill/>
+        </p:spPr>
+        <p:txBody>
+          <a:bodyPr wrap="square" rtlCol="0">
+            <a:spAutoFit/>
+          </a:bodyPr>
+          <a:lstStyle/>
+          <a:p>
+            <a:r>
+              <a:rPr lang="fr-FR" sz="1200" dirty="0"/>
+              <a:t>Propriétés utilisateur</a:t>
+            </a:r>
+          </a:p>
+        </p:txBody>
+      </p:sp>
+      <p:sp>
+        <p:nvSpPr>
+          <p:cNvPr id="21" name="ZoneTexte 20">
+            <a:extLst>
+              <a:ext uri="{FF2B5EF4-FFF2-40B4-BE49-F238E27FC236}">
+                <a16:creationId xmlns:a16="http://schemas.microsoft.com/office/drawing/2014/main" id="{DB905336-BD54-400B-BB54-6B119E70A35A}"/>
+              </a:ext>
+            </a:extLst>
+          </p:cNvPr>
+          <p:cNvSpPr txBox="1"/>
+          <p:nvPr/>
+        </p:nvSpPr>
+        <p:spPr>
+          <a:xfrm>
+            <a:off x="4723019" y="2852130"/>
+            <a:ext cx="5294336" cy="276999"/>
+          </a:xfrm>
+          <a:prstGeom prst="rect">
+            <a:avLst/>
+          </a:prstGeom>
+          <a:noFill/>
+        </p:spPr>
+        <p:txBody>
+          <a:bodyPr wrap="square" rtlCol="0">
+            <a:spAutoFit/>
+          </a:bodyPr>
+          <a:lstStyle/>
+          <a:p>
+            <a:r>
+              <a:rPr lang="fr-FR" sz="1200" dirty="0"/>
+              <a:t>Sonde évènement pour les réponses </a:t>
+            </a:r>
+          </a:p>
+        </p:txBody>
+      </p:sp>
+      <p:sp>
+        <p:nvSpPr>
+          <p:cNvPr id="23" name="ZoneTexte 22">
+            <a:extLst>
+              <a:ext uri="{FF2B5EF4-FFF2-40B4-BE49-F238E27FC236}">
+                <a16:creationId xmlns:a16="http://schemas.microsoft.com/office/drawing/2014/main" id="{3C391D57-C087-4D6D-BA0D-FA449F618311}"/>
+              </a:ext>
+            </a:extLst>
+          </p:cNvPr>
+          <p:cNvSpPr txBox="1"/>
+          <p:nvPr/>
+        </p:nvSpPr>
+        <p:spPr>
+          <a:xfrm>
+            <a:off x="4504525" y="4216052"/>
+            <a:ext cx="5294336" cy="276999"/>
+          </a:xfrm>
+          <a:prstGeom prst="rect">
+            <a:avLst/>
+          </a:prstGeom>
+          <a:noFill/>
+        </p:spPr>
+        <p:txBody>
+          <a:bodyPr wrap="square" rtlCol="0">
+            <a:spAutoFit/>
+          </a:bodyPr>
+          <a:lstStyle/>
+          <a:p>
+            <a:r>
+              <a:rPr lang="fr-FR" sz="1200" dirty="0"/>
+              <a:t>Sonde évènement Game-Over par défaut</a:t>
+            </a:r>
+          </a:p>
+        </p:txBody>
+      </p:sp>
+      <p:pic>
+        <p:nvPicPr>
+          <p:cNvPr id="7" name="Image 6">
+            <a:extLst>
+              <a:ext uri="{FF2B5EF4-FFF2-40B4-BE49-F238E27FC236}">
+                <a16:creationId xmlns:a16="http://schemas.microsoft.com/office/drawing/2014/main" id="{00665BA8-48B1-4096-B0C1-49C85865D752}"/>
+              </a:ext>
+            </a:extLst>
+          </p:cNvPr>
+          <p:cNvPicPr>
+            <a:picLocks noChangeAspect="1"/>
+          </p:cNvPicPr>
+          <p:nvPr/>
+        </p:nvPicPr>
+        <p:blipFill>
+          <a:blip r:embed="rId3"/>
+          <a:stretch>
+            <a:fillRect/>
+          </a:stretch>
+        </p:blipFill>
+        <p:spPr>
+          <a:xfrm>
+            <a:off x="3848871" y="3166321"/>
+            <a:ext cx="4877459" cy="615891"/>
+          </a:xfrm>
+          <a:prstGeom prst="rect">
+            <a:avLst/>
+          </a:prstGeom>
+        </p:spPr>
+      </p:pic>
+      <p:pic>
+        <p:nvPicPr>
+          <p:cNvPr id="9" name="Image 8">
+            <a:extLst>
+              <a:ext uri="{FF2B5EF4-FFF2-40B4-BE49-F238E27FC236}">
+                <a16:creationId xmlns:a16="http://schemas.microsoft.com/office/drawing/2014/main" id="{248FA534-B41A-4F24-8E47-36BE195A2BFA}"/>
+              </a:ext>
+            </a:extLst>
+          </p:cNvPr>
+          <p:cNvPicPr>
+            <a:picLocks noChangeAspect="1"/>
+          </p:cNvPicPr>
+          <p:nvPr/>
+        </p:nvPicPr>
+        <p:blipFill>
+          <a:blip r:embed="rId4"/>
+          <a:stretch>
+            <a:fillRect/>
+          </a:stretch>
+        </p:blipFill>
+        <p:spPr>
+          <a:xfrm>
+            <a:off x="4020288" y="4577156"/>
+            <a:ext cx="4019550" cy="495300"/>
+          </a:xfrm>
+          <a:prstGeom prst="rect">
+            <a:avLst/>
+          </a:prstGeom>
+        </p:spPr>
+      </p:pic>
     </p:spTree>
     <p:extLst>
       <p:ext uri="{BB962C8B-B14F-4D97-AF65-F5344CB8AC3E}">
